--- a/Lectures/Week07/Lecture12.pptx
+++ b/Lectures/Week07/Lecture12.pptx
@@ -4368,8 +4368,8 @@
           </a:p>
         </p:txBody>
       </p:sp>
-      <mc:AlternateContent xmlns:mc="http://schemas.openxmlformats.org/markup-compatibility/2006">
-        <mc:Choice xmlns:a14="http://schemas.microsoft.com/office/drawing/2010/main" Requires="a14">
+      <mc:AlternateContent xmlns:mc="http://schemas.openxmlformats.org/markup-compatibility/2006" xmlns:a14="http://schemas.microsoft.com/office/drawing/2010/main">
+        <mc:Choice Requires="a14">
           <p:sp>
             <p:nvSpPr>
               <p:cNvPr id="8" name="Content Placeholder 7">
@@ -4864,7 +4864,7 @@
             </p:txBody>
           </p:sp>
         </mc:Choice>
-        <mc:Fallback>
+        <mc:Fallback xmlns="">
           <p:sp>
             <p:nvSpPr>
               <p:cNvPr id="8" name="Content Placeholder 7">
@@ -5269,8 +5269,8 @@
           </a:p>
         </p:txBody>
       </p:sp>
-      <mc:AlternateContent xmlns:mc="http://schemas.openxmlformats.org/markup-compatibility/2006">
-        <mc:Choice xmlns:a14="http://schemas.microsoft.com/office/drawing/2010/main" Requires="a14">
+      <mc:AlternateContent xmlns:mc="http://schemas.openxmlformats.org/markup-compatibility/2006" xmlns:a14="http://schemas.microsoft.com/office/drawing/2010/main">
+        <mc:Choice Requires="a14">
           <p:sp>
             <p:nvSpPr>
               <p:cNvPr id="3" name="Content Placeholder 2">
@@ -5493,7 +5493,7 @@
             </p:txBody>
           </p:sp>
         </mc:Choice>
-        <mc:Fallback>
+        <mc:Fallback xmlns="">
           <p:sp>
             <p:nvSpPr>
               <p:cNvPr id="3" name="Content Placeholder 2">
